--- a/Project_presentation.pptx
+++ b/Project_presentation.pptx
@@ -15,6 +15,9 @@
     <p:sldId id="263" r:id="rId9"/>
     <p:sldId id="265" r:id="rId10"/>
     <p:sldId id="264" r:id="rId11"/>
+    <p:sldId id="266" r:id="rId12"/>
+    <p:sldId id="267" r:id="rId13"/>
+    <p:sldId id="268" r:id="rId14"/>
   </p:sldIdLst>
   <p:sldSz cx="12192000" cy="6858000"/>
   <p:notesSz cx="6858000" cy="9144000"/>
@@ -113,6 +116,11 @@
       </a:defRPr>
     </a:lvl9pPr>
   </p:defaultTextStyle>
+  <p:extLst>
+    <p:ext uri="{EFAFB233-063F-42B5-8137-9DF3F51BA10A}">
+      <p15:sldGuideLst xmlns:p15="http://schemas.microsoft.com/office/powerpoint/2012/main"/>
+    </p:ext>
+  </p:extLst>
 </p:presentation>
 </file>
 
@@ -354,7 +362,7 @@
             <a:fld id="{B61BEF0D-F0BB-DE4B-95CE-6DB70DBA9567}" type="datetimeFigureOut">
               <a:rPr lang="en-US" dirty="0"/>
               <a:pPr/>
-              <a:t>5/23/23</a:t>
+              <a:t>5/24/23</a:t>
             </a:fld>
             <a:endParaRPr lang="en-US" dirty="0"/>
           </a:p>
@@ -685,7 +693,7 @@
             <a:fld id="{B61BEF0D-F0BB-DE4B-95CE-6DB70DBA9567}" type="datetimeFigureOut">
               <a:rPr lang="en-US" dirty="0"/>
               <a:pPr/>
-              <a:t>5/23/23</a:t>
+              <a:t>5/24/23</a:t>
             </a:fld>
             <a:endParaRPr lang="en-US" dirty="0"/>
           </a:p>
@@ -960,7 +968,7 @@
             <a:fld id="{B61BEF0D-F0BB-DE4B-95CE-6DB70DBA9567}" type="datetimeFigureOut">
               <a:rPr lang="en-US" dirty="0"/>
               <a:pPr/>
-              <a:t>5/23/23</a:t>
+              <a:t>5/24/23</a:t>
             </a:fld>
             <a:endParaRPr lang="en-US" dirty="0"/>
           </a:p>
@@ -1525,7 +1533,7 @@
             <a:fld id="{B61BEF0D-F0BB-DE4B-95CE-6DB70DBA9567}" type="datetimeFigureOut">
               <a:rPr lang="en-US" dirty="0"/>
               <a:pPr/>
-              <a:t>5/23/23</a:t>
+              <a:t>5/24/23</a:t>
             </a:fld>
             <a:endParaRPr lang="en-US" dirty="0"/>
           </a:p>
@@ -1800,7 +1808,7 @@
             <a:fld id="{B61BEF0D-F0BB-DE4B-95CE-6DB70DBA9567}" type="datetimeFigureOut">
               <a:rPr lang="en-US" dirty="0"/>
               <a:pPr/>
-              <a:t>5/23/23</a:t>
+              <a:t>5/24/23</a:t>
             </a:fld>
             <a:endParaRPr lang="en-US" dirty="0"/>
           </a:p>
@@ -2359,7 +2367,7 @@
             <a:fld id="{B61BEF0D-F0BB-DE4B-95CE-6DB70DBA9567}" type="datetimeFigureOut">
               <a:rPr lang="en-US" dirty="0"/>
               <a:pPr/>
-              <a:t>5/23/23</a:t>
+              <a:t>5/24/23</a:t>
             </a:fld>
             <a:endParaRPr lang="en-US" dirty="0"/>
           </a:p>
@@ -2683,7 +2691,7 @@
             <a:fld id="{B61BEF0D-F0BB-DE4B-95CE-6DB70DBA9567}" type="datetimeFigureOut">
               <a:rPr lang="en-US" dirty="0"/>
               <a:pPr/>
-              <a:t>5/23/23</a:t>
+              <a:t>5/24/23</a:t>
             </a:fld>
             <a:endParaRPr lang="en-US" dirty="0"/>
           </a:p>
@@ -2857,7 +2865,7 @@
             <a:fld id="{B61BEF0D-F0BB-DE4B-95CE-6DB70DBA9567}" type="datetimeFigureOut">
               <a:rPr lang="en-US" dirty="0"/>
               <a:pPr/>
-              <a:t>5/23/23</a:t>
+              <a:t>5/24/23</a:t>
             </a:fld>
             <a:endParaRPr lang="en-US" dirty="0"/>
           </a:p>
@@ -3092,7 +3100,7 @@
             <a:fld id="{B61BEF0D-F0BB-DE4B-95CE-6DB70DBA9567}" type="datetimeFigureOut">
               <a:rPr lang="en-US" dirty="0"/>
               <a:pPr/>
-              <a:t>5/23/23</a:t>
+              <a:t>5/24/23</a:t>
             </a:fld>
             <a:endParaRPr lang="en-US" dirty="0"/>
           </a:p>
@@ -3289,7 +3297,7 @@
             <a:fld id="{B61BEF0D-F0BB-DE4B-95CE-6DB70DBA9567}" type="datetimeFigureOut">
               <a:rPr lang="en-US" dirty="0"/>
               <a:pPr/>
-              <a:t>5/23/23</a:t>
+              <a:t>5/24/23</a:t>
             </a:fld>
             <a:endParaRPr lang="en-US" dirty="0"/>
           </a:p>
@@ -3562,7 +3570,7 @@
             <a:fld id="{B61BEF0D-F0BB-DE4B-95CE-6DB70DBA9567}" type="datetimeFigureOut">
               <a:rPr lang="en-US" dirty="0"/>
               <a:pPr/>
-              <a:t>5/23/23</a:t>
+              <a:t>5/24/23</a:t>
             </a:fld>
             <a:endParaRPr lang="en-US" dirty="0"/>
           </a:p>
@@ -3825,7 +3833,7 @@
             <a:fld id="{B61BEF0D-F0BB-DE4B-95CE-6DB70DBA9567}" type="datetimeFigureOut">
               <a:rPr lang="en-US" dirty="0"/>
               <a:pPr/>
-              <a:t>5/23/23</a:t>
+              <a:t>5/24/23</a:t>
             </a:fld>
             <a:endParaRPr lang="en-US" dirty="0"/>
           </a:p>
@@ -4196,7 +4204,7 @@
             <a:fld id="{B61BEF0D-F0BB-DE4B-95CE-6DB70DBA9567}" type="datetimeFigureOut">
               <a:rPr lang="en-US" dirty="0"/>
               <a:pPr/>
-              <a:t>5/23/23</a:t>
+              <a:t>5/24/23</a:t>
             </a:fld>
             <a:endParaRPr lang="en-US" dirty="0"/>
           </a:p>
@@ -4341,7 +4349,7 @@
             <a:fld id="{B61BEF0D-F0BB-DE4B-95CE-6DB70DBA9567}" type="datetimeFigureOut">
               <a:rPr lang="en-US" dirty="0"/>
               <a:pPr/>
-              <a:t>5/23/23</a:t>
+              <a:t>5/24/23</a:t>
             </a:fld>
             <a:endParaRPr lang="en-US" dirty="0"/>
           </a:p>
@@ -4463,7 +4471,7 @@
             <a:fld id="{B61BEF0D-F0BB-DE4B-95CE-6DB70DBA9567}" type="datetimeFigureOut">
               <a:rPr lang="en-US" dirty="0"/>
               <a:pPr/>
-              <a:t>5/23/23</a:t>
+              <a:t>5/24/23</a:t>
             </a:fld>
             <a:endParaRPr lang="en-US" dirty="0"/>
           </a:p>
@@ -4745,7 +4753,7 @@
             <a:fld id="{B61BEF0D-F0BB-DE4B-95CE-6DB70DBA9567}" type="datetimeFigureOut">
               <a:rPr lang="en-US" dirty="0"/>
               <a:pPr/>
-              <a:t>5/23/23</a:t>
+              <a:t>5/24/23</a:t>
             </a:fld>
             <a:endParaRPr lang="en-US" dirty="0"/>
           </a:p>
@@ -5066,7 +5074,7 @@
             <a:fld id="{B61BEF0D-F0BB-DE4B-95CE-6DB70DBA9567}" type="datetimeFigureOut">
               <a:rPr lang="en-US" dirty="0"/>
               <a:pPr/>
-              <a:t>5/23/23</a:t>
+              <a:t>5/24/23</a:t>
             </a:fld>
             <a:endParaRPr lang="en-US" dirty="0"/>
           </a:p>
@@ -5277,7 +5285,7 @@
             <a:fld id="{B61BEF0D-F0BB-DE4B-95CE-6DB70DBA9567}" type="datetimeFigureOut">
               <a:rPr lang="en-US" dirty="0"/>
               <a:pPr/>
-              <a:t>5/23/23</a:t>
+              <a:t>5/24/23</a:t>
             </a:fld>
             <a:endParaRPr lang="en-US" dirty="0"/>
           </a:p>
@@ -6020,10 +6028,10 @@
       </p:sp>
       <p:pic>
         <p:nvPicPr>
-          <p:cNvPr id="5" name="Content Placeholder 4" descr="A picture containing text, diagram, line, plan&#10;&#10;Description automatically generated">
+          <p:cNvPr id="4" name="Picture 3" descr="A picture containing diagram, sketch, line, drawing&#10;&#10;Description automatically generated">
             <a:extLst>
               <a:ext uri="{FF2B5EF4-FFF2-40B4-BE49-F238E27FC236}">
-                <a16:creationId xmlns:a16="http://schemas.microsoft.com/office/drawing/2014/main" id="{42A3D2BB-DB94-EA83-C95C-FDC442A31F92}"/>
+                <a16:creationId xmlns:a16="http://schemas.microsoft.com/office/drawing/2014/main" id="{AE0368A6-ED0E-12E0-7744-B0B97E6FFA2C}"/>
               </a:ext>
             </a:extLst>
           </p:cNvPr>
@@ -6040,8 +6048,8 @@
         </p:blipFill>
         <p:spPr>
           <a:xfrm>
-            <a:off x="648930" y="1146761"/>
-            <a:ext cx="5447070" cy="4235096"/>
+            <a:off x="648930" y="1201232"/>
+            <a:ext cx="5447070" cy="4126155"/>
           </a:xfrm>
           <a:prstGeom prst="roundRect">
             <a:avLst>
@@ -6089,6 +6097,995 @@
 </p:sld>
 </file>
 
+<file path=ppt/slides/slide11.xml><?xml version="1.0" encoding="utf-8"?>
+<p:sld xmlns:a="http://schemas.openxmlformats.org/drawingml/2006/main" xmlns:r="http://schemas.openxmlformats.org/officeDocument/2006/relationships" xmlns:p="http://schemas.openxmlformats.org/presentationml/2006/main">
+  <p:cSld>
+    <p:spTree>
+      <p:nvGrpSpPr>
+        <p:cNvPr id="1" name=""/>
+        <p:cNvGrpSpPr/>
+        <p:nvPr/>
+      </p:nvGrpSpPr>
+      <p:grpSpPr>
+        <a:xfrm>
+          <a:off x="0" y="0"/>
+          <a:ext cx="0" cy="0"/>
+          <a:chOff x="0" y="0"/>
+          <a:chExt cx="0" cy="0"/>
+        </a:xfrm>
+      </p:grpSpPr>
+      <p:sp>
+        <p:nvSpPr>
+          <p:cNvPr id="2" name="Title 1">
+            <a:extLst>
+              <a:ext uri="{FF2B5EF4-FFF2-40B4-BE49-F238E27FC236}">
+                <a16:creationId xmlns:a16="http://schemas.microsoft.com/office/drawing/2014/main" id="{72E15117-70BF-4CD0-5392-C316F54F26D4}"/>
+              </a:ext>
+            </a:extLst>
+          </p:cNvPr>
+          <p:cNvSpPr>
+            <a:spLocks noGrp="1"/>
+          </p:cNvSpPr>
+          <p:nvPr>
+            <p:ph type="title"/>
+          </p:nvPr>
+        </p:nvSpPr>
+        <p:spPr/>
+        <p:txBody>
+          <a:bodyPr/>
+          <a:lstStyle/>
+          <a:p>
+            <a:r>
+              <a:rPr lang="en-US" dirty="0"/>
+              <a:t>Color thresholding	</a:t>
+            </a:r>
+          </a:p>
+        </p:txBody>
+      </p:sp>
+      <p:sp>
+        <p:nvSpPr>
+          <p:cNvPr id="3" name="Content Placeholder 2">
+            <a:extLst>
+              <a:ext uri="{FF2B5EF4-FFF2-40B4-BE49-F238E27FC236}">
+                <a16:creationId xmlns:a16="http://schemas.microsoft.com/office/drawing/2014/main" id="{01D5B854-298F-9E7E-1942-8D0749C0200B}"/>
+              </a:ext>
+            </a:extLst>
+          </p:cNvPr>
+          <p:cNvSpPr>
+            <a:spLocks noGrp="1"/>
+          </p:cNvSpPr>
+          <p:nvPr>
+            <p:ph idx="1"/>
+          </p:nvPr>
+        </p:nvSpPr>
+        <p:spPr/>
+        <p:txBody>
+          <a:bodyPr/>
+          <a:lstStyle/>
+          <a:p>
+            <a:pPr algn="l" rtl="0" fontAlgn="base"/>
+            <a:r>
+              <a:rPr lang="en-US" sz="1800" b="0" i="0" u="none" strike="noStrike" dirty="0">
+                <a:solidFill>
+                  <a:schemeClr val="tx2"/>
+                </a:solidFill>
+                <a:effectLst/>
+                <a:latin typeface="Calibri" panose="020F0502020204030204" pitchFamily="34" charset="0"/>
+              </a:rPr>
+              <a:t>What was done:​</a:t>
+            </a:r>
+            <a:endParaRPr lang="en-US" b="0" i="0" u="none" strike="noStrike" dirty="0">
+              <a:solidFill>
+                <a:schemeClr val="tx2"/>
+              </a:solidFill>
+              <a:effectLst/>
+              <a:latin typeface="Arial" panose="020B0604020202020204" pitchFamily="34" charset="0"/>
+            </a:endParaRPr>
+          </a:p>
+          <a:p>
+            <a:pPr algn="l" rtl="0" fontAlgn="base">
+              <a:buFont typeface="Arial" panose="020B0604020202020204" pitchFamily="34" charset="0"/>
+              <a:buChar char="•"/>
+            </a:pPr>
+            <a:r>
+              <a:rPr lang="en-US" sz="1800" b="0" i="0" u="none" strike="noStrike" dirty="0">
+                <a:solidFill>
+                  <a:schemeClr val="tx2"/>
+                </a:solidFill>
+                <a:effectLst/>
+                <a:latin typeface="Calibri" panose="020F0502020204030204" pitchFamily="34" charset="0"/>
+              </a:rPr>
+              <a:t>Done in HSV </a:t>
+            </a:r>
+            <a:r>
+              <a:rPr lang="en-AU" sz="1800" b="0" i="0" u="none" strike="noStrike" dirty="0">
+                <a:solidFill>
+                  <a:schemeClr val="tx2"/>
+                </a:solidFill>
+                <a:effectLst/>
+                <a:latin typeface="Calibri" panose="020F0502020204030204" pitchFamily="34" charset="0"/>
+              </a:rPr>
+              <a:t>colour</a:t>
+            </a:r>
+            <a:r>
+              <a:rPr lang="en-US" sz="1800" b="0" i="0" u="none" strike="noStrike" dirty="0">
+                <a:solidFill>
+                  <a:schemeClr val="tx2"/>
+                </a:solidFill>
+                <a:effectLst/>
+                <a:latin typeface="Calibri" panose="020F0502020204030204" pitchFamily="34" charset="0"/>
+              </a:rPr>
+              <a:t> space​</a:t>
+            </a:r>
+            <a:endParaRPr lang="en-US" b="0" i="0" u="none" strike="noStrike" dirty="0">
+              <a:solidFill>
+                <a:schemeClr val="tx2"/>
+              </a:solidFill>
+              <a:effectLst/>
+              <a:latin typeface="Arial" panose="020B0604020202020204" pitchFamily="34" charset="0"/>
+            </a:endParaRPr>
+          </a:p>
+          <a:p>
+            <a:pPr algn="l" rtl="0" fontAlgn="base">
+              <a:buFont typeface="Arial" panose="020B0604020202020204" pitchFamily="34" charset="0"/>
+              <a:buChar char="•"/>
+            </a:pPr>
+            <a:r>
+              <a:rPr lang="en-US" sz="1800" b="0" i="0" u="none" strike="noStrike" dirty="0">
+                <a:solidFill>
+                  <a:schemeClr val="tx2"/>
+                </a:solidFill>
+                <a:effectLst/>
+                <a:latin typeface="Calibri" panose="020F0502020204030204" pitchFamily="34" charset="0"/>
+              </a:rPr>
+              <a:t>Used multiple thresholds for each color​</a:t>
+            </a:r>
+            <a:endParaRPr lang="en-US" b="0" i="0" u="none" strike="noStrike" dirty="0">
+              <a:solidFill>
+                <a:schemeClr val="tx2"/>
+              </a:solidFill>
+              <a:effectLst/>
+              <a:latin typeface="Arial" panose="020B0604020202020204" pitchFamily="34" charset="0"/>
+            </a:endParaRPr>
+          </a:p>
+          <a:p>
+            <a:pPr algn="l" rtl="0" fontAlgn="base">
+              <a:buFont typeface="Arial" panose="020B0604020202020204" pitchFamily="34" charset="0"/>
+              <a:buChar char="•"/>
+            </a:pPr>
+            <a:r>
+              <a:rPr lang="en-US" sz="1800" b="0" i="0" u="none" strike="noStrike" dirty="0">
+                <a:solidFill>
+                  <a:schemeClr val="tx2"/>
+                </a:solidFill>
+                <a:effectLst/>
+                <a:latin typeface="Calibri" panose="020F0502020204030204" pitchFamily="34" charset="0"/>
+              </a:rPr>
+              <a:t>Tuned values to accurately detect all dots​</a:t>
+            </a:r>
+            <a:endParaRPr lang="en-US" b="0" i="0" u="none" strike="noStrike" dirty="0">
+              <a:solidFill>
+                <a:schemeClr val="tx2"/>
+              </a:solidFill>
+              <a:effectLst/>
+              <a:latin typeface="Arial" panose="020B0604020202020204" pitchFamily="34" charset="0"/>
+            </a:endParaRPr>
+          </a:p>
+          <a:p>
+            <a:pPr algn="l" rtl="0" fontAlgn="base"/>
+            <a:r>
+              <a:rPr lang="en-US" sz="1800" b="0" i="0" u="none" strike="noStrike" dirty="0">
+                <a:solidFill>
+                  <a:schemeClr val="tx2"/>
+                </a:solidFill>
+                <a:effectLst/>
+                <a:latin typeface="Calibri" panose="020F0502020204030204" pitchFamily="34" charset="0"/>
+              </a:rPr>
+              <a:t>Issues:​</a:t>
+            </a:r>
+            <a:endParaRPr lang="en-US" b="0" i="0" u="none" strike="noStrike" dirty="0">
+              <a:solidFill>
+                <a:schemeClr val="tx2"/>
+              </a:solidFill>
+              <a:effectLst/>
+              <a:latin typeface="Arial" panose="020B0604020202020204" pitchFamily="34" charset="0"/>
+            </a:endParaRPr>
+          </a:p>
+          <a:p>
+            <a:pPr algn="l" rtl="0" fontAlgn="base">
+              <a:buFont typeface="Arial" panose="020B0604020202020204" pitchFamily="34" charset="0"/>
+              <a:buChar char="•"/>
+            </a:pPr>
+            <a:r>
+              <a:rPr lang="en-US" sz="1800" b="0" i="0" u="none" strike="noStrike" dirty="0">
+                <a:solidFill>
+                  <a:schemeClr val="tx2"/>
+                </a:solidFill>
+                <a:effectLst/>
+                <a:latin typeface="Calibri" panose="020F0502020204030204" pitchFamily="34" charset="0"/>
+              </a:rPr>
+              <a:t>Had to use wide thresholds to get most of every dot​</a:t>
+            </a:r>
+            <a:endParaRPr lang="en-US" b="0" i="0" u="none" strike="noStrike" dirty="0">
+              <a:solidFill>
+                <a:schemeClr val="tx2"/>
+              </a:solidFill>
+              <a:effectLst/>
+              <a:latin typeface="Arial" panose="020B0604020202020204" pitchFamily="34" charset="0"/>
+            </a:endParaRPr>
+          </a:p>
+          <a:p>
+            <a:pPr algn="l" rtl="0" fontAlgn="base">
+              <a:buFont typeface="Arial" panose="020B0604020202020204" pitchFamily="34" charset="0"/>
+              <a:buChar char="•"/>
+            </a:pPr>
+            <a:r>
+              <a:rPr lang="en-US" sz="1800" b="0" i="0" u="none" strike="noStrike" dirty="0">
+                <a:solidFill>
+                  <a:schemeClr val="tx2"/>
+                </a:solidFill>
+                <a:effectLst/>
+                <a:latin typeface="Calibri" panose="020F0502020204030204" pitchFamily="34" charset="0"/>
+              </a:rPr>
+              <a:t>Picked up lots of background objects​</a:t>
+            </a:r>
+            <a:endParaRPr lang="en-US" b="0" i="0" u="none" strike="noStrike" dirty="0">
+              <a:solidFill>
+                <a:schemeClr val="tx2"/>
+              </a:solidFill>
+              <a:effectLst/>
+              <a:latin typeface="Arial" panose="020B0604020202020204" pitchFamily="34" charset="0"/>
+            </a:endParaRPr>
+          </a:p>
+          <a:p>
+            <a:pPr algn="l" rtl="0" fontAlgn="base">
+              <a:buFont typeface="Arial" panose="020B0604020202020204" pitchFamily="34" charset="0"/>
+              <a:buChar char="•"/>
+            </a:pPr>
+            <a:r>
+              <a:rPr lang="en-US" sz="1800" b="0" i="0" u="none" strike="noStrike" dirty="0">
+                <a:solidFill>
+                  <a:schemeClr val="tx2"/>
+                </a:solidFill>
+                <a:effectLst/>
+                <a:latin typeface="Calibri" panose="020F0502020204030204" pitchFamily="34" charset="0"/>
+              </a:rPr>
+              <a:t>Overlap between blue and green pixels</a:t>
+            </a:r>
+            <a:r>
+              <a:rPr lang="en-AU" sz="1800" b="0" i="0" u="none" strike="noStrike" dirty="0">
+                <a:solidFill>
+                  <a:schemeClr val="tx2"/>
+                </a:solidFill>
+                <a:effectLst/>
+                <a:latin typeface="Calibri" panose="020F0502020204030204" pitchFamily="34" charset="0"/>
+              </a:rPr>
+              <a:t>​</a:t>
+            </a:r>
+            <a:endParaRPr lang="en-AU" b="0" i="0" u="none" strike="noStrike" dirty="0">
+              <a:solidFill>
+                <a:schemeClr val="tx2"/>
+              </a:solidFill>
+              <a:effectLst/>
+              <a:latin typeface="Arial" panose="020B0604020202020204" pitchFamily="34" charset="0"/>
+            </a:endParaRPr>
+          </a:p>
+          <a:p>
+            <a:endParaRPr lang="en-US" dirty="0">
+              <a:solidFill>
+                <a:schemeClr val="tx2"/>
+              </a:solidFill>
+            </a:endParaRPr>
+          </a:p>
+        </p:txBody>
+      </p:sp>
+    </p:spTree>
+    <p:extLst>
+      <p:ext uri="{BB962C8B-B14F-4D97-AF65-F5344CB8AC3E}">
+        <p14:creationId xmlns:p14="http://schemas.microsoft.com/office/powerpoint/2010/main" val="357372066"/>
+      </p:ext>
+    </p:extLst>
+  </p:cSld>
+  <p:clrMapOvr>
+    <a:masterClrMapping/>
+  </p:clrMapOvr>
+</p:sld>
+</file>
+
+<file path=ppt/slides/slide12.xml><?xml version="1.0" encoding="utf-8"?>
+<p:sld xmlns:a="http://schemas.openxmlformats.org/drawingml/2006/main" xmlns:r="http://schemas.openxmlformats.org/officeDocument/2006/relationships" xmlns:p="http://schemas.openxmlformats.org/presentationml/2006/main">
+  <p:cSld>
+    <p:spTree>
+      <p:nvGrpSpPr>
+        <p:cNvPr id="1" name=""/>
+        <p:cNvGrpSpPr/>
+        <p:nvPr/>
+      </p:nvGrpSpPr>
+      <p:grpSpPr>
+        <a:xfrm>
+          <a:off x="0" y="0"/>
+          <a:ext cx="0" cy="0"/>
+          <a:chOff x="0" y="0"/>
+          <a:chExt cx="0" cy="0"/>
+        </a:xfrm>
+      </p:grpSpPr>
+      <p:sp>
+        <p:nvSpPr>
+          <p:cNvPr id="2" name="Title 1">
+            <a:extLst>
+              <a:ext uri="{FF2B5EF4-FFF2-40B4-BE49-F238E27FC236}">
+                <a16:creationId xmlns:a16="http://schemas.microsoft.com/office/drawing/2014/main" id="{F4FED1B4-EA5F-5961-4D76-F709591E6FEE}"/>
+              </a:ext>
+            </a:extLst>
+          </p:cNvPr>
+          <p:cNvSpPr>
+            <a:spLocks noGrp="1"/>
+          </p:cNvSpPr>
+          <p:nvPr>
+            <p:ph type="title"/>
+          </p:nvPr>
+        </p:nvSpPr>
+        <p:spPr/>
+        <p:txBody>
+          <a:bodyPr/>
+          <a:lstStyle/>
+          <a:p>
+            <a:r>
+              <a:rPr lang="en-AU" sz="1800" b="0" i="0" u="none" strike="noStrike" dirty="0">
+                <a:solidFill>
+                  <a:schemeClr val="tx2"/>
+                </a:solidFill>
+                <a:effectLst/>
+                <a:latin typeface="Calibri Light" panose="020F0502020204030204" pitchFamily="34" charset="0"/>
+              </a:rPr>
+              <a:t>Hexagon Detection (Post-Connected Components Analysis)​</a:t>
+            </a:r>
+            <a:endParaRPr lang="en-US" dirty="0">
+              <a:solidFill>
+                <a:schemeClr val="tx2"/>
+              </a:solidFill>
+            </a:endParaRPr>
+          </a:p>
+        </p:txBody>
+      </p:sp>
+      <p:sp>
+        <p:nvSpPr>
+          <p:cNvPr id="3" name="Content Placeholder 2">
+            <a:extLst>
+              <a:ext uri="{FF2B5EF4-FFF2-40B4-BE49-F238E27FC236}">
+                <a16:creationId xmlns:a16="http://schemas.microsoft.com/office/drawing/2014/main" id="{EC892503-4692-020B-7AC2-CC59D4D8004E}"/>
+              </a:ext>
+            </a:extLst>
+          </p:cNvPr>
+          <p:cNvSpPr>
+            <a:spLocks noGrp="1"/>
+          </p:cNvSpPr>
+          <p:nvPr>
+            <p:ph idx="1"/>
+          </p:nvPr>
+        </p:nvSpPr>
+        <p:spPr/>
+        <p:txBody>
+          <a:bodyPr/>
+          <a:lstStyle/>
+          <a:p>
+            <a:pPr algn="l" rtl="0" fontAlgn="base"/>
+            <a:r>
+              <a:rPr lang="en-AU" sz="1800" b="0" i="0" u="none" strike="noStrike" dirty="0">
+                <a:solidFill>
+                  <a:schemeClr val="tx2"/>
+                </a:solidFill>
+                <a:effectLst/>
+                <a:latin typeface="Calibri" panose="020F0502020204030204" pitchFamily="34" charset="0"/>
+              </a:rPr>
+              <a:t>What was done:</a:t>
+            </a:r>
+            <a:r>
+              <a:rPr lang="en-US" sz="1800" b="0" i="0" u="none" strike="noStrike" dirty="0">
+                <a:solidFill>
+                  <a:schemeClr val="tx2"/>
+                </a:solidFill>
+                <a:effectLst/>
+                <a:latin typeface="Calibri" panose="020F0502020204030204" pitchFamily="34" charset="0"/>
+              </a:rPr>
+              <a:t>​</a:t>
+            </a:r>
+            <a:endParaRPr lang="en-US" b="0" i="0" u="none" strike="noStrike" dirty="0">
+              <a:solidFill>
+                <a:schemeClr val="tx2"/>
+              </a:solidFill>
+              <a:effectLst/>
+              <a:latin typeface="Arial" panose="020B0604020202020204" pitchFamily="34" charset="0"/>
+            </a:endParaRPr>
+          </a:p>
+          <a:p>
+            <a:pPr algn="l" rtl="0" fontAlgn="base">
+              <a:buFont typeface="+mj-lt"/>
+              <a:buAutoNum type="arabicPeriod"/>
+            </a:pPr>
+            <a:r>
+              <a:rPr lang="en-AU" sz="1800" b="0" i="0" u="none" strike="noStrike" dirty="0">
+                <a:solidFill>
+                  <a:schemeClr val="tx2"/>
+                </a:solidFill>
+                <a:effectLst/>
+                <a:latin typeface="Calibri" panose="020F0502020204030204" pitchFamily="34" charset="0"/>
+              </a:rPr>
+              <a:t>Filtered connected components by size and aspect ratio</a:t>
+            </a:r>
+            <a:r>
+              <a:rPr lang="en-US" sz="1800" b="0" i="0" u="none" strike="noStrike" dirty="0">
+                <a:solidFill>
+                  <a:schemeClr val="tx2"/>
+                </a:solidFill>
+                <a:effectLst/>
+                <a:latin typeface="Calibri" panose="020F0502020204030204" pitchFamily="34" charset="0"/>
+              </a:rPr>
+              <a:t>​</a:t>
+            </a:r>
+            <a:endParaRPr lang="en-US" b="0" i="0" u="none" strike="noStrike" dirty="0">
+              <a:solidFill>
+                <a:schemeClr val="tx2"/>
+              </a:solidFill>
+              <a:effectLst/>
+              <a:latin typeface="Arial" panose="020B0604020202020204" pitchFamily="34" charset="0"/>
+            </a:endParaRPr>
+          </a:p>
+          <a:p>
+            <a:pPr algn="l" rtl="0" fontAlgn="base">
+              <a:buFont typeface="+mj-lt"/>
+              <a:buAutoNum type="arabicPeriod"/>
+            </a:pPr>
+            <a:r>
+              <a:rPr lang="en-AU" sz="1800" b="0" i="0" u="none" strike="noStrike" dirty="0">
+                <a:solidFill>
+                  <a:schemeClr val="tx2"/>
+                </a:solidFill>
+                <a:effectLst/>
+                <a:latin typeface="Calibri" panose="020F0502020204030204" pitchFamily="34" charset="0"/>
+              </a:rPr>
+              <a:t>Filtered green-blue error connected components</a:t>
+            </a:r>
+            <a:r>
+              <a:rPr lang="en-US" sz="1800" b="0" i="0" u="none" strike="noStrike" dirty="0">
+                <a:solidFill>
+                  <a:schemeClr val="tx2"/>
+                </a:solidFill>
+                <a:effectLst/>
+                <a:latin typeface="Calibri" panose="020F0502020204030204" pitchFamily="34" charset="0"/>
+              </a:rPr>
+              <a:t>​</a:t>
+            </a:r>
+            <a:endParaRPr lang="en-US" b="0" i="0" u="none" strike="noStrike" dirty="0">
+              <a:solidFill>
+                <a:schemeClr val="tx2"/>
+              </a:solidFill>
+              <a:effectLst/>
+              <a:latin typeface="Arial" panose="020B0604020202020204" pitchFamily="34" charset="0"/>
+            </a:endParaRPr>
+          </a:p>
+          <a:p>
+            <a:pPr algn="l" rtl="0" fontAlgn="base">
+              <a:buFont typeface="+mj-lt"/>
+              <a:buAutoNum type="arabicPeriod"/>
+            </a:pPr>
+            <a:r>
+              <a:rPr lang="en-AU" sz="1800" b="0" i="0" u="none" strike="noStrike" dirty="0">
+                <a:solidFill>
+                  <a:schemeClr val="tx2"/>
+                </a:solidFill>
+                <a:effectLst/>
+                <a:latin typeface="Calibri" panose="020F0502020204030204" pitchFamily="34" charset="0"/>
+              </a:rPr>
+              <a:t>Filtered by number of connected components around blue connected components </a:t>
+            </a:r>
+            <a:r>
+              <a:rPr lang="en-US" sz="1800" b="0" i="0" u="none" strike="noStrike" dirty="0">
+                <a:solidFill>
+                  <a:schemeClr val="tx2"/>
+                </a:solidFill>
+                <a:effectLst/>
+                <a:latin typeface="Calibri" panose="020F0502020204030204" pitchFamily="34" charset="0"/>
+              </a:rPr>
+              <a:t>​</a:t>
+            </a:r>
+            <a:endParaRPr lang="en-US" b="0" i="0" u="none" strike="noStrike" dirty="0">
+              <a:solidFill>
+                <a:schemeClr val="tx2"/>
+              </a:solidFill>
+              <a:effectLst/>
+              <a:latin typeface="Arial" panose="020B0604020202020204" pitchFamily="34" charset="0"/>
+            </a:endParaRPr>
+          </a:p>
+          <a:p>
+            <a:pPr algn="l" rtl="0" fontAlgn="base">
+              <a:buFont typeface="+mj-lt"/>
+              <a:buAutoNum type="arabicPeriod"/>
+            </a:pPr>
+            <a:r>
+              <a:rPr lang="en-AU" sz="1800" b="0" i="0" u="none" strike="noStrike" dirty="0">
+                <a:solidFill>
+                  <a:schemeClr val="tx2"/>
+                </a:solidFill>
+                <a:effectLst/>
+                <a:latin typeface="Calibri" panose="020F0502020204030204" pitchFamily="34" charset="0"/>
+              </a:rPr>
+              <a:t>Filtered by size ratio to blue dot</a:t>
+            </a:r>
+            <a:r>
+              <a:rPr lang="en-US" sz="1800" b="0" i="0" u="none" strike="noStrike" dirty="0">
+                <a:solidFill>
+                  <a:schemeClr val="tx2"/>
+                </a:solidFill>
+                <a:effectLst/>
+                <a:latin typeface="Calibri" panose="020F0502020204030204" pitchFamily="34" charset="0"/>
+              </a:rPr>
+              <a:t>​</a:t>
+            </a:r>
+            <a:endParaRPr lang="en-US" b="0" i="0" u="none" strike="noStrike" dirty="0">
+              <a:solidFill>
+                <a:schemeClr val="tx2"/>
+              </a:solidFill>
+              <a:effectLst/>
+              <a:latin typeface="Arial" panose="020B0604020202020204" pitchFamily="34" charset="0"/>
+            </a:endParaRPr>
+          </a:p>
+          <a:p>
+            <a:pPr algn="l" rtl="0" fontAlgn="base">
+              <a:buFont typeface="+mj-lt"/>
+              <a:buAutoNum type="arabicPeriod"/>
+            </a:pPr>
+            <a:r>
+              <a:rPr lang="en-AU" sz="1800" b="0" i="0" u="none" strike="noStrike" dirty="0">
+                <a:solidFill>
+                  <a:schemeClr val="tx2"/>
+                </a:solidFill>
+                <a:effectLst/>
+                <a:latin typeface="Calibri" panose="020F0502020204030204" pitchFamily="34" charset="0"/>
+              </a:rPr>
+              <a:t>Filtered by hexagon shape (distribution around mean position)</a:t>
+            </a:r>
+            <a:r>
+              <a:rPr lang="en-US" sz="1800" b="0" i="0" u="none" strike="noStrike" dirty="0">
+                <a:solidFill>
+                  <a:schemeClr val="tx2"/>
+                </a:solidFill>
+                <a:effectLst/>
+                <a:latin typeface="Calibri" panose="020F0502020204030204" pitchFamily="34" charset="0"/>
+              </a:rPr>
+              <a:t>​</a:t>
+            </a:r>
+            <a:endParaRPr lang="en-US" b="0" i="0" u="none" strike="noStrike" dirty="0">
+              <a:solidFill>
+                <a:schemeClr val="tx2"/>
+              </a:solidFill>
+              <a:effectLst/>
+              <a:latin typeface="Arial" panose="020B0604020202020204" pitchFamily="34" charset="0"/>
+            </a:endParaRPr>
+          </a:p>
+          <a:p>
+            <a:endParaRPr lang="en-US" dirty="0">
+              <a:solidFill>
+                <a:schemeClr val="tx2"/>
+              </a:solidFill>
+            </a:endParaRPr>
+          </a:p>
+        </p:txBody>
+      </p:sp>
+    </p:spTree>
+    <p:extLst>
+      <p:ext uri="{BB962C8B-B14F-4D97-AF65-F5344CB8AC3E}">
+        <p14:creationId xmlns:p14="http://schemas.microsoft.com/office/powerpoint/2010/main" val="741073622"/>
+      </p:ext>
+    </p:extLst>
+  </p:cSld>
+  <p:clrMapOvr>
+    <a:masterClrMapping/>
+  </p:clrMapOvr>
+</p:sld>
+</file>
+
+<file path=ppt/slides/slide13.xml><?xml version="1.0" encoding="utf-8"?>
+<p:sld xmlns:a="http://schemas.openxmlformats.org/drawingml/2006/main" xmlns:r="http://schemas.openxmlformats.org/officeDocument/2006/relationships" xmlns:p="http://schemas.openxmlformats.org/presentationml/2006/main">
+  <p:cSld>
+    <p:spTree>
+      <p:nvGrpSpPr>
+        <p:cNvPr id="1" name=""/>
+        <p:cNvGrpSpPr/>
+        <p:nvPr/>
+      </p:nvGrpSpPr>
+      <p:grpSpPr>
+        <a:xfrm>
+          <a:off x="0" y="0"/>
+          <a:ext cx="0" cy="0"/>
+          <a:chOff x="0" y="0"/>
+          <a:chExt cx="0" cy="0"/>
+        </a:xfrm>
+      </p:grpSpPr>
+      <p:sp>
+        <p:nvSpPr>
+          <p:cNvPr id="2" name="Title 1">
+            <a:extLst>
+              <a:ext uri="{FF2B5EF4-FFF2-40B4-BE49-F238E27FC236}">
+                <a16:creationId xmlns:a16="http://schemas.microsoft.com/office/drawing/2014/main" id="{86829AF7-1302-09BD-6006-583BA3C0748A}"/>
+              </a:ext>
+            </a:extLst>
+          </p:cNvPr>
+          <p:cNvSpPr>
+            <a:spLocks noGrp="1"/>
+          </p:cNvSpPr>
+          <p:nvPr>
+            <p:ph type="title"/>
+          </p:nvPr>
+        </p:nvSpPr>
+        <p:spPr/>
+        <p:txBody>
+          <a:bodyPr/>
+          <a:lstStyle/>
+          <a:p>
+            <a:r>
+              <a:rPr lang="en-AU" sz="1800" b="0" i="0" u="none" strike="noStrike" dirty="0">
+                <a:solidFill>
+                  <a:schemeClr val="tx2"/>
+                </a:solidFill>
+                <a:effectLst/>
+                <a:latin typeface="Calibri Light" panose="020F0502020204030204" pitchFamily="34" charset="0"/>
+              </a:rPr>
+              <a:t>Sub-Pixel Alignment: Dilation​</a:t>
+            </a:r>
+            <a:endParaRPr lang="en-US" dirty="0">
+              <a:solidFill>
+                <a:schemeClr val="tx2"/>
+              </a:solidFill>
+            </a:endParaRPr>
+          </a:p>
+        </p:txBody>
+      </p:sp>
+      <p:sp>
+        <p:nvSpPr>
+          <p:cNvPr id="3" name="Content Placeholder 2">
+            <a:extLst>
+              <a:ext uri="{FF2B5EF4-FFF2-40B4-BE49-F238E27FC236}">
+                <a16:creationId xmlns:a16="http://schemas.microsoft.com/office/drawing/2014/main" id="{95669EE4-0C67-9716-D7E5-7229F0CE09C1}"/>
+              </a:ext>
+            </a:extLst>
+          </p:cNvPr>
+          <p:cNvSpPr>
+            <a:spLocks noGrp="1"/>
+          </p:cNvSpPr>
+          <p:nvPr>
+            <p:ph idx="1"/>
+          </p:nvPr>
+        </p:nvSpPr>
+        <p:spPr/>
+        <p:txBody>
+          <a:bodyPr>
+            <a:normAutofit fontScale="92500" lnSpcReduction="20000"/>
+          </a:bodyPr>
+          <a:lstStyle/>
+          <a:p>
+            <a:pPr algn="l" rtl="0" fontAlgn="base"/>
+            <a:r>
+              <a:rPr lang="en-AU" sz="1800" b="0" i="0" u="none" strike="noStrike" dirty="0">
+                <a:solidFill>
+                  <a:schemeClr val="tx2"/>
+                </a:solidFill>
+                <a:effectLst/>
+                <a:latin typeface="Calibri" panose="020F0502020204030204" pitchFamily="34" charset="0"/>
+              </a:rPr>
+              <a:t>Dilation:</a:t>
+            </a:r>
+            <a:r>
+              <a:rPr lang="en-US" sz="1800" b="0" i="0" u="none" strike="noStrike" dirty="0">
+                <a:solidFill>
+                  <a:schemeClr val="tx2"/>
+                </a:solidFill>
+                <a:effectLst/>
+                <a:latin typeface="Calibri" panose="020F0502020204030204" pitchFamily="34" charset="0"/>
+              </a:rPr>
+              <a:t>​</a:t>
+            </a:r>
+            <a:endParaRPr lang="en-US" b="0" i="0" u="none" strike="noStrike" dirty="0">
+              <a:solidFill>
+                <a:schemeClr val="tx2"/>
+              </a:solidFill>
+              <a:effectLst/>
+              <a:latin typeface="Segoe UI" panose="020B0502040204020203" pitchFamily="34" charset="0"/>
+            </a:endParaRPr>
+          </a:p>
+          <a:p>
+            <a:pPr algn="l" rtl="0" fontAlgn="base">
+              <a:buFont typeface="Arial" panose="020B0604020202020204" pitchFamily="34" charset="0"/>
+              <a:buChar char="•"/>
+            </a:pPr>
+            <a:r>
+              <a:rPr lang="en-AU" sz="1800" b="0" i="0" u="none" strike="noStrike" dirty="0">
+                <a:solidFill>
+                  <a:schemeClr val="tx2"/>
+                </a:solidFill>
+                <a:effectLst/>
+                <a:latin typeface="Calibri" panose="020F0502020204030204" pitchFamily="34" charset="0"/>
+              </a:rPr>
+              <a:t>Applied a dilation mask (3x3 of one’s) to enlarge the segment</a:t>
+            </a:r>
+            <a:r>
+              <a:rPr lang="en-US" sz="1800" b="0" i="0" u="none" strike="noStrike" dirty="0">
+                <a:solidFill>
+                  <a:schemeClr val="tx2"/>
+                </a:solidFill>
+                <a:effectLst/>
+                <a:latin typeface="Calibri" panose="020F0502020204030204" pitchFamily="34" charset="0"/>
+              </a:rPr>
+              <a:t>​</a:t>
+            </a:r>
+            <a:endParaRPr lang="en-US" b="0" i="0" u="none" strike="noStrike" dirty="0">
+              <a:solidFill>
+                <a:schemeClr val="tx2"/>
+              </a:solidFill>
+              <a:effectLst/>
+              <a:latin typeface="Arial" panose="020B0604020202020204" pitchFamily="34" charset="0"/>
+            </a:endParaRPr>
+          </a:p>
+          <a:p>
+            <a:pPr algn="l" rtl="0" fontAlgn="base">
+              <a:buFont typeface="Arial" panose="020B0604020202020204" pitchFamily="34" charset="0"/>
+              <a:buChar char="•"/>
+            </a:pPr>
+            <a:r>
+              <a:rPr lang="en-AU" sz="1800" b="0" i="0" u="none" strike="noStrike" dirty="0">
+                <a:solidFill>
+                  <a:schemeClr val="tx2"/>
+                </a:solidFill>
+                <a:effectLst/>
+                <a:latin typeface="Calibri" panose="020F0502020204030204" pitchFamily="34" charset="0"/>
+              </a:rPr>
+              <a:t>​</a:t>
+            </a:r>
+            <a:endParaRPr lang="en-AU" b="0" i="0" u="none" strike="noStrike" dirty="0">
+              <a:solidFill>
+                <a:schemeClr val="tx2"/>
+              </a:solidFill>
+              <a:effectLst/>
+              <a:latin typeface="Arial" panose="020B0604020202020204" pitchFamily="34" charset="0"/>
+            </a:endParaRPr>
+          </a:p>
+          <a:p>
+            <a:pPr algn="l" rtl="0" fontAlgn="base"/>
+            <a:r>
+              <a:rPr lang="en-AU" sz="1800" b="0" i="0" u="none" strike="noStrike" dirty="0">
+                <a:solidFill>
+                  <a:schemeClr val="tx2"/>
+                </a:solidFill>
+                <a:effectLst/>
+                <a:latin typeface="Calibri" panose="020F0502020204030204" pitchFamily="34" charset="0"/>
+              </a:rPr>
+              <a:t>Centroid Correction (all combinations of the following strategies):</a:t>
+            </a:r>
+            <a:r>
+              <a:rPr lang="en-US" sz="1800" b="0" i="0" u="none" strike="noStrike" dirty="0">
+                <a:solidFill>
+                  <a:schemeClr val="tx2"/>
+                </a:solidFill>
+                <a:effectLst/>
+                <a:latin typeface="Calibri" panose="020F0502020204030204" pitchFamily="34" charset="0"/>
+              </a:rPr>
+              <a:t>​</a:t>
+            </a:r>
+            <a:endParaRPr lang="en-US" b="0" i="0" u="none" strike="noStrike" dirty="0">
+              <a:solidFill>
+                <a:schemeClr val="tx2"/>
+              </a:solidFill>
+              <a:effectLst/>
+              <a:latin typeface="Segoe UI" panose="020B0502040204020203" pitchFamily="34" charset="0"/>
+            </a:endParaRPr>
+          </a:p>
+          <a:p>
+            <a:pPr algn="l" rtl="0" fontAlgn="base">
+              <a:buFont typeface="Arial" panose="020B0604020202020204" pitchFamily="34" charset="0"/>
+              <a:buChar char="•"/>
+            </a:pPr>
+            <a:r>
+              <a:rPr lang="en-AU" sz="1800" b="0" i="0" u="none" strike="noStrike" dirty="0">
+                <a:solidFill>
+                  <a:schemeClr val="tx2"/>
+                </a:solidFill>
+                <a:effectLst/>
+                <a:latin typeface="Calibri" panose="020F0502020204030204" pitchFamily="34" charset="0"/>
+              </a:rPr>
+              <a:t>HSV and Normalised RGB colour spaces</a:t>
+            </a:r>
+            <a:r>
+              <a:rPr lang="en-US" sz="1800" b="0" i="0" u="none" strike="noStrike" dirty="0">
+                <a:solidFill>
+                  <a:schemeClr val="tx2"/>
+                </a:solidFill>
+                <a:effectLst/>
+                <a:latin typeface="Calibri" panose="020F0502020204030204" pitchFamily="34" charset="0"/>
+              </a:rPr>
+              <a:t>​</a:t>
+            </a:r>
+            <a:endParaRPr lang="en-US" b="0" i="0" u="none" strike="noStrike" dirty="0">
+              <a:solidFill>
+                <a:schemeClr val="tx2"/>
+              </a:solidFill>
+              <a:effectLst/>
+              <a:latin typeface="Arial" panose="020B0604020202020204" pitchFamily="34" charset="0"/>
+            </a:endParaRPr>
+          </a:p>
+          <a:p>
+            <a:pPr algn="l" rtl="0" fontAlgn="base">
+              <a:buFont typeface="Arial" panose="020B0604020202020204" pitchFamily="34" charset="0"/>
+              <a:buChar char="•"/>
+            </a:pPr>
+            <a:r>
+              <a:rPr lang="en-AU" sz="1800" b="0" i="0" u="none" strike="noStrike" dirty="0">
+                <a:solidFill>
+                  <a:schemeClr val="tx2"/>
+                </a:solidFill>
+                <a:effectLst/>
+                <a:latin typeface="Calibri" panose="020F0502020204030204" pitchFamily="34" charset="0"/>
+              </a:rPr>
+              <a:t>Double-calculating mean by excluding outliers</a:t>
+            </a:r>
+            <a:r>
+              <a:rPr lang="en-US" sz="1800" b="0" i="0" u="none" strike="noStrike" dirty="0">
+                <a:solidFill>
+                  <a:schemeClr val="tx2"/>
+                </a:solidFill>
+                <a:effectLst/>
+                <a:latin typeface="Calibri" panose="020F0502020204030204" pitchFamily="34" charset="0"/>
+              </a:rPr>
+              <a:t>​</a:t>
+            </a:r>
+            <a:endParaRPr lang="en-US" b="0" i="0" u="none" strike="noStrike" dirty="0">
+              <a:solidFill>
+                <a:schemeClr val="tx2"/>
+              </a:solidFill>
+              <a:effectLst/>
+              <a:latin typeface="Arial" panose="020B0604020202020204" pitchFamily="34" charset="0"/>
+            </a:endParaRPr>
+          </a:p>
+          <a:p>
+            <a:pPr algn="l" rtl="0" fontAlgn="base">
+              <a:buFont typeface="Arial" panose="020B0604020202020204" pitchFamily="34" charset="0"/>
+              <a:buChar char="•"/>
+            </a:pPr>
+            <a:r>
+              <a:rPr lang="en-AU" sz="1800" b="0" i="0" u="none" strike="noStrike" dirty="0">
+                <a:solidFill>
+                  <a:schemeClr val="tx2"/>
+                </a:solidFill>
+                <a:effectLst/>
+                <a:latin typeface="Calibri" panose="020F0502020204030204" pitchFamily="34" charset="0"/>
+              </a:rPr>
+              <a:t>Only using similar pixels (highly weighted) in the centroid mean calculation</a:t>
+            </a:r>
+            <a:r>
+              <a:rPr lang="en-US" sz="1800" b="0" i="0" u="none" strike="noStrike" dirty="0">
+                <a:solidFill>
+                  <a:schemeClr val="tx2"/>
+                </a:solidFill>
+                <a:effectLst/>
+                <a:latin typeface="Calibri" panose="020F0502020204030204" pitchFamily="34" charset="0"/>
+              </a:rPr>
+              <a:t>​</a:t>
+            </a:r>
+            <a:endParaRPr lang="en-US" b="0" i="0" u="none" strike="noStrike" dirty="0">
+              <a:solidFill>
+                <a:schemeClr val="tx2"/>
+              </a:solidFill>
+              <a:effectLst/>
+              <a:latin typeface="Arial" panose="020B0604020202020204" pitchFamily="34" charset="0"/>
+            </a:endParaRPr>
+          </a:p>
+          <a:p>
+            <a:pPr algn="l" rtl="0" fontAlgn="base">
+              <a:buFont typeface="Arial" panose="020B0604020202020204" pitchFamily="34" charset="0"/>
+              <a:buChar char="•"/>
+            </a:pPr>
+            <a:r>
+              <a:rPr lang="en-AU" sz="1800" b="0" i="0" u="none" strike="noStrike" dirty="0">
+                <a:solidFill>
+                  <a:schemeClr val="tx2"/>
+                </a:solidFill>
+                <a:effectLst/>
+                <a:latin typeface="Calibri" panose="020F0502020204030204" pitchFamily="34" charset="0"/>
+              </a:rPr>
+              <a:t>Weighting by proximity to initial centroid estimate</a:t>
+            </a:r>
+            <a:r>
+              <a:rPr lang="en-US" sz="1800" b="0" i="0" u="none" strike="noStrike" dirty="0">
+                <a:solidFill>
+                  <a:schemeClr val="tx2"/>
+                </a:solidFill>
+                <a:effectLst/>
+                <a:latin typeface="Calibri" panose="020F0502020204030204" pitchFamily="34" charset="0"/>
+              </a:rPr>
+              <a:t>​</a:t>
+            </a:r>
+            <a:endParaRPr lang="en-US" b="0" i="0" u="none" strike="noStrike" dirty="0">
+              <a:solidFill>
+                <a:schemeClr val="tx2"/>
+              </a:solidFill>
+              <a:effectLst/>
+              <a:latin typeface="Arial" panose="020B0604020202020204" pitchFamily="34" charset="0"/>
+            </a:endParaRPr>
+          </a:p>
+          <a:p>
+            <a:pPr algn="l" rtl="0" fontAlgn="base">
+              <a:buFont typeface="Arial" panose="020B0604020202020204" pitchFamily="34" charset="0"/>
+              <a:buChar char="•"/>
+            </a:pPr>
+            <a:r>
+              <a:rPr lang="en-AU" sz="1800" b="0" i="0" u="none" strike="noStrike" dirty="0">
+                <a:solidFill>
+                  <a:schemeClr val="tx2"/>
+                </a:solidFill>
+                <a:effectLst/>
+                <a:latin typeface="Calibri" panose="020F0502020204030204" pitchFamily="34" charset="0"/>
+              </a:rPr>
+              <a:t>​</a:t>
+            </a:r>
+            <a:endParaRPr lang="en-AU" b="0" i="0" u="none" strike="noStrike" dirty="0">
+              <a:solidFill>
+                <a:schemeClr val="tx2"/>
+              </a:solidFill>
+              <a:effectLst/>
+              <a:latin typeface="Arial" panose="020B0604020202020204" pitchFamily="34" charset="0"/>
+            </a:endParaRPr>
+          </a:p>
+          <a:p>
+            <a:pPr algn="l" rtl="0" fontAlgn="base"/>
+            <a:r>
+              <a:rPr lang="en-AU" sz="1800" b="0" i="0" u="none" strike="noStrike" dirty="0">
+                <a:solidFill>
+                  <a:schemeClr val="tx2"/>
+                </a:solidFill>
+                <a:effectLst/>
+                <a:latin typeface="Calibri" panose="020F0502020204030204" pitchFamily="34" charset="0"/>
+              </a:rPr>
+              <a:t>Result: couldn’t improve centroid estimate on average​</a:t>
+            </a:r>
+            <a:endParaRPr lang="en-AU" b="0" i="0" u="none" strike="noStrike" dirty="0">
+              <a:solidFill>
+                <a:schemeClr val="tx2"/>
+              </a:solidFill>
+              <a:effectLst/>
+              <a:latin typeface="Segoe UI" panose="020B0502040204020203" pitchFamily="34" charset="0"/>
+            </a:endParaRPr>
+          </a:p>
+          <a:p>
+            <a:pPr algn="l" rtl="0" fontAlgn="base"/>
+            <a:endParaRPr lang="en-AU" b="0" i="0" u="none" strike="noStrike" dirty="0">
+              <a:solidFill>
+                <a:schemeClr val="tx2"/>
+              </a:solidFill>
+              <a:effectLst/>
+              <a:latin typeface="Segoe UI" panose="020B0502040204020203" pitchFamily="34" charset="0"/>
+            </a:endParaRPr>
+          </a:p>
+          <a:p>
+            <a:endParaRPr lang="en-US" dirty="0">
+              <a:solidFill>
+                <a:schemeClr val="tx2"/>
+              </a:solidFill>
+            </a:endParaRPr>
+          </a:p>
+        </p:txBody>
+      </p:sp>
+    </p:spTree>
+    <p:extLst>
+      <p:ext uri="{BB962C8B-B14F-4D97-AF65-F5344CB8AC3E}">
+        <p14:creationId xmlns:p14="http://schemas.microsoft.com/office/powerpoint/2010/main" val="2187428053"/>
+      </p:ext>
+    </p:extLst>
+  </p:cSld>
+  <p:clrMapOvr>
+    <a:masterClrMapping/>
+  </p:clrMapOvr>
+</p:sld>
+</file>
+
 <file path=ppt/slides/slide2.xml><?xml version="1.0" encoding="utf-8"?>
 <p:sld xmlns:a="http://schemas.openxmlformats.org/drawingml/2006/main" xmlns:r="http://schemas.openxmlformats.org/officeDocument/2006/relationships" xmlns:p="http://schemas.openxmlformats.org/presentationml/2006/main">
   <p:cSld>
@@ -6498,27 +7495,7 @@
                 <a:effectLst/>
                 <a:latin typeface="Menlo" panose="020B0609030804020204" pitchFamily="49" charset="0"/>
               </a:rPr>
-              <a:t>Main framework of the program's GUI is based on Qt5 and </a:t>
-            </a:r>
-            <a:r>
-              <a:rPr lang="en-AU" b="0" dirty="0" err="1">
-                <a:solidFill>
-                  <a:srgbClr val="CCCCCC"/>
-                </a:solidFill>
-                <a:effectLst/>
-                <a:latin typeface="Menlo" panose="020B0609030804020204" pitchFamily="49" charset="0"/>
-              </a:rPr>
-              <a:t>PySimpleGUI</a:t>
-            </a:r>
-            <a:r>
-              <a:rPr lang="en-AU" b="0" dirty="0">
-                <a:solidFill>
-                  <a:srgbClr val="CCCCCC"/>
-                </a:solidFill>
-                <a:effectLst/>
-                <a:latin typeface="Menlo" panose="020B0609030804020204" pitchFamily="49" charset="0"/>
-              </a:rPr>
-              <a:t>.</a:t>
+              <a:t>Main framework of the program's GUI is based on Qt6.</a:t>
             </a:r>
           </a:p>
           <a:p>
